--- a/ppt 16-9/0153.圣灵来了.pptx
+++ b/ppt 16-9/0153.圣灵来了.pptx
@@ -5,7 +5,7 @@
     <p:sldMasterId id="2147483648" r:id="rId1"/>
   </p:sldMasterIdLst>
   <p:sldIdLst>
-    <p:sldId id="2741" r:id="rId2"/>
+    <p:sldId id="2742" r:id="rId2"/>
   </p:sldIdLst>
   <p:sldSz cx="12192000" cy="6858000"/>
   <p:notesSz cx="6858000" cy="9144000"/>
@@ -129,7 +129,7 @@
           <p:cNvPr id="2" name="标题 1">
             <a:extLst>
               <a:ext uri="{FF2B5EF4-FFF2-40B4-BE49-F238E27FC236}">
-                <a16:creationId xmlns:a16="http://schemas.microsoft.com/office/drawing/2014/main" id="{A1CDE6B1-4EA0-539F-7ED3-3968D1704043}"/>
+                <a16:creationId xmlns:a16="http://schemas.microsoft.com/office/drawing/2014/main" id="{38358977-D29D-EFDD-BB01-126D8640347F}"/>
               </a:ext>
             </a:extLst>
           </p:cNvPr>
@@ -166,7 +166,7 @@
           <p:cNvPr id="3" name="副标题 2">
             <a:extLst>
               <a:ext uri="{FF2B5EF4-FFF2-40B4-BE49-F238E27FC236}">
-                <a16:creationId xmlns:a16="http://schemas.microsoft.com/office/drawing/2014/main" id="{526BAD27-1CA2-5195-A343-59D446C3A2E4}"/>
+                <a16:creationId xmlns:a16="http://schemas.microsoft.com/office/drawing/2014/main" id="{E1E63B5E-C5BB-F555-55EC-88C54B6625B8}"/>
               </a:ext>
             </a:extLst>
           </p:cNvPr>
@@ -236,7 +236,7 @@
           <p:cNvPr id="4" name="日期占位符 3">
             <a:extLst>
               <a:ext uri="{FF2B5EF4-FFF2-40B4-BE49-F238E27FC236}">
-                <a16:creationId xmlns:a16="http://schemas.microsoft.com/office/drawing/2014/main" id="{E85D1221-1572-B489-C812-FD545C475C5B}"/>
+                <a16:creationId xmlns:a16="http://schemas.microsoft.com/office/drawing/2014/main" id="{400220DC-AE90-8BA9-0058-15FCF64C2F88}"/>
               </a:ext>
             </a:extLst>
           </p:cNvPr>
@@ -252,7 +252,7 @@
           <a:bodyPr/>
           <a:lstStyle/>
           <a:p>
-            <a:fld id="{F8536FB5-00C1-46B9-80F2-5334BA270E8F}" type="datetimeFigureOut">
+            <a:fld id="{93B7F6C7-790D-4412-AE61-706E0C373E00}" type="datetimeFigureOut">
               <a:rPr lang="zh-CN" altLang="en-US" smtClean="0"/>
               <a:t>2024/3/10</a:t>
             </a:fld>
@@ -265,7 +265,7 @@
           <p:cNvPr id="5" name="页脚占位符 4">
             <a:extLst>
               <a:ext uri="{FF2B5EF4-FFF2-40B4-BE49-F238E27FC236}">
-                <a16:creationId xmlns:a16="http://schemas.microsoft.com/office/drawing/2014/main" id="{7C636DE6-98D2-5583-AE00-1C75CFBD2BAE}"/>
+                <a16:creationId xmlns:a16="http://schemas.microsoft.com/office/drawing/2014/main" id="{583EA7E9-B460-7200-860A-90D514544B55}"/>
               </a:ext>
             </a:extLst>
           </p:cNvPr>
@@ -290,7 +290,7 @@
           <p:cNvPr id="6" name="灯片编号占位符 5">
             <a:extLst>
               <a:ext uri="{FF2B5EF4-FFF2-40B4-BE49-F238E27FC236}">
-                <a16:creationId xmlns:a16="http://schemas.microsoft.com/office/drawing/2014/main" id="{92405E4B-398E-5A52-47FF-A3D3052A42F7}"/>
+                <a16:creationId xmlns:a16="http://schemas.microsoft.com/office/drawing/2014/main" id="{A13C81F6-433A-037D-0E50-7E15B1684F19}"/>
               </a:ext>
             </a:extLst>
           </p:cNvPr>
@@ -306,7 +306,7 @@
           <a:bodyPr/>
           <a:lstStyle/>
           <a:p>
-            <a:fld id="{CEF0770C-D0C3-4FA5-9F4E-FC59218128E2}" type="slidenum">
+            <a:fld id="{491C2285-5C08-462A-BFFE-5F22B4284A0F}" type="slidenum">
               <a:rPr lang="zh-CN" altLang="en-US" smtClean="0"/>
               <a:t>‹#›</a:t>
             </a:fld>
@@ -317,7 +317,7 @@
     </p:spTree>
     <p:extLst>
       <p:ext uri="{BB962C8B-B14F-4D97-AF65-F5344CB8AC3E}">
-        <p14:creationId xmlns:p14="http://schemas.microsoft.com/office/powerpoint/2010/main" val="2061641795"/>
+        <p14:creationId xmlns:p14="http://schemas.microsoft.com/office/powerpoint/2010/main" val="2012512860"/>
       </p:ext>
     </p:extLst>
   </p:cSld>
@@ -349,7 +349,7 @@
           <p:cNvPr id="2" name="标题 1">
             <a:extLst>
               <a:ext uri="{FF2B5EF4-FFF2-40B4-BE49-F238E27FC236}">
-                <a16:creationId xmlns:a16="http://schemas.microsoft.com/office/drawing/2014/main" id="{E3BC8DF3-B53A-EAB9-9A7F-95FF35C301AC}"/>
+                <a16:creationId xmlns:a16="http://schemas.microsoft.com/office/drawing/2014/main" id="{CDEF11DF-D6DB-6473-7473-C6648A5B1073}"/>
               </a:ext>
             </a:extLst>
           </p:cNvPr>
@@ -377,7 +377,7 @@
           <p:cNvPr id="3" name="竖排文字占位符 2">
             <a:extLst>
               <a:ext uri="{FF2B5EF4-FFF2-40B4-BE49-F238E27FC236}">
-                <a16:creationId xmlns:a16="http://schemas.microsoft.com/office/drawing/2014/main" id="{7526AF18-F938-5BC4-258A-D6BEED2578C5}"/>
+                <a16:creationId xmlns:a16="http://schemas.microsoft.com/office/drawing/2014/main" id="{77D3A635-08B3-94BD-ABF6-9EB3E322E63D}"/>
               </a:ext>
             </a:extLst>
           </p:cNvPr>
@@ -434,7 +434,7 @@
           <p:cNvPr id="4" name="日期占位符 3">
             <a:extLst>
               <a:ext uri="{FF2B5EF4-FFF2-40B4-BE49-F238E27FC236}">
-                <a16:creationId xmlns:a16="http://schemas.microsoft.com/office/drawing/2014/main" id="{A37F994E-7785-0FD5-CE8D-F5F21C5F9727}"/>
+                <a16:creationId xmlns:a16="http://schemas.microsoft.com/office/drawing/2014/main" id="{C700DDF2-F988-C334-D92B-F43947F19956}"/>
               </a:ext>
             </a:extLst>
           </p:cNvPr>
@@ -450,7 +450,7 @@
           <a:bodyPr/>
           <a:lstStyle/>
           <a:p>
-            <a:fld id="{F8536FB5-00C1-46B9-80F2-5334BA270E8F}" type="datetimeFigureOut">
+            <a:fld id="{93B7F6C7-790D-4412-AE61-706E0C373E00}" type="datetimeFigureOut">
               <a:rPr lang="zh-CN" altLang="en-US" smtClean="0"/>
               <a:t>2024/3/10</a:t>
             </a:fld>
@@ -463,7 +463,7 @@
           <p:cNvPr id="5" name="页脚占位符 4">
             <a:extLst>
               <a:ext uri="{FF2B5EF4-FFF2-40B4-BE49-F238E27FC236}">
-                <a16:creationId xmlns:a16="http://schemas.microsoft.com/office/drawing/2014/main" id="{EAEAEF30-F199-1A24-04EE-5D098BB1B725}"/>
+                <a16:creationId xmlns:a16="http://schemas.microsoft.com/office/drawing/2014/main" id="{DC09D4CF-5724-18A9-ADA1-579DF34B912C}"/>
               </a:ext>
             </a:extLst>
           </p:cNvPr>
@@ -488,7 +488,7 @@
           <p:cNvPr id="6" name="灯片编号占位符 5">
             <a:extLst>
               <a:ext uri="{FF2B5EF4-FFF2-40B4-BE49-F238E27FC236}">
-                <a16:creationId xmlns:a16="http://schemas.microsoft.com/office/drawing/2014/main" id="{9999AB95-D830-EB9B-7B9F-40C1EC21239A}"/>
+                <a16:creationId xmlns:a16="http://schemas.microsoft.com/office/drawing/2014/main" id="{990C401E-C11C-AAAE-D5FA-28BD630C68D6}"/>
               </a:ext>
             </a:extLst>
           </p:cNvPr>
@@ -504,7 +504,7 @@
           <a:bodyPr/>
           <a:lstStyle/>
           <a:p>
-            <a:fld id="{CEF0770C-D0C3-4FA5-9F4E-FC59218128E2}" type="slidenum">
+            <a:fld id="{491C2285-5C08-462A-BFFE-5F22B4284A0F}" type="slidenum">
               <a:rPr lang="zh-CN" altLang="en-US" smtClean="0"/>
               <a:t>‹#›</a:t>
             </a:fld>
@@ -515,7 +515,7 @@
     </p:spTree>
     <p:extLst>
       <p:ext uri="{BB962C8B-B14F-4D97-AF65-F5344CB8AC3E}">
-        <p14:creationId xmlns:p14="http://schemas.microsoft.com/office/powerpoint/2010/main" val="3361769535"/>
+        <p14:creationId xmlns:p14="http://schemas.microsoft.com/office/powerpoint/2010/main" val="2448802014"/>
       </p:ext>
     </p:extLst>
   </p:cSld>
@@ -547,7 +547,7 @@
           <p:cNvPr id="2" name="竖排标题 1">
             <a:extLst>
               <a:ext uri="{FF2B5EF4-FFF2-40B4-BE49-F238E27FC236}">
-                <a16:creationId xmlns:a16="http://schemas.microsoft.com/office/drawing/2014/main" id="{50F6D7B6-4AA9-7C87-B7FF-F68761623FCC}"/>
+                <a16:creationId xmlns:a16="http://schemas.microsoft.com/office/drawing/2014/main" id="{B8EB0879-6E6E-1E00-ED39-BD1354D9416F}"/>
               </a:ext>
             </a:extLst>
           </p:cNvPr>
@@ -580,7 +580,7 @@
           <p:cNvPr id="3" name="竖排文字占位符 2">
             <a:extLst>
               <a:ext uri="{FF2B5EF4-FFF2-40B4-BE49-F238E27FC236}">
-                <a16:creationId xmlns:a16="http://schemas.microsoft.com/office/drawing/2014/main" id="{E20E7B14-87BB-836E-DFFD-F0E397B7F432}"/>
+                <a16:creationId xmlns:a16="http://schemas.microsoft.com/office/drawing/2014/main" id="{1371F883-EC9D-F925-0EFE-EA7895FBEDFB}"/>
               </a:ext>
             </a:extLst>
           </p:cNvPr>
@@ -642,7 +642,7 @@
           <p:cNvPr id="4" name="日期占位符 3">
             <a:extLst>
               <a:ext uri="{FF2B5EF4-FFF2-40B4-BE49-F238E27FC236}">
-                <a16:creationId xmlns:a16="http://schemas.microsoft.com/office/drawing/2014/main" id="{32AED14E-C26D-6CB7-A39B-E90BB421BB9A}"/>
+                <a16:creationId xmlns:a16="http://schemas.microsoft.com/office/drawing/2014/main" id="{EEA9EEAF-6639-34BB-BA80-221915FB82A1}"/>
               </a:ext>
             </a:extLst>
           </p:cNvPr>
@@ -658,7 +658,7 @@
           <a:bodyPr/>
           <a:lstStyle/>
           <a:p>
-            <a:fld id="{F8536FB5-00C1-46B9-80F2-5334BA270E8F}" type="datetimeFigureOut">
+            <a:fld id="{93B7F6C7-790D-4412-AE61-706E0C373E00}" type="datetimeFigureOut">
               <a:rPr lang="zh-CN" altLang="en-US" smtClean="0"/>
               <a:t>2024/3/10</a:t>
             </a:fld>
@@ -671,7 +671,7 @@
           <p:cNvPr id="5" name="页脚占位符 4">
             <a:extLst>
               <a:ext uri="{FF2B5EF4-FFF2-40B4-BE49-F238E27FC236}">
-                <a16:creationId xmlns:a16="http://schemas.microsoft.com/office/drawing/2014/main" id="{6D3E3C43-015E-BFEE-A013-4EB2ACF0D67C}"/>
+                <a16:creationId xmlns:a16="http://schemas.microsoft.com/office/drawing/2014/main" id="{F7B4619D-57F6-C78F-C1FC-CA9DFE06F5E2}"/>
               </a:ext>
             </a:extLst>
           </p:cNvPr>
@@ -696,7 +696,7 @@
           <p:cNvPr id="6" name="灯片编号占位符 5">
             <a:extLst>
               <a:ext uri="{FF2B5EF4-FFF2-40B4-BE49-F238E27FC236}">
-                <a16:creationId xmlns:a16="http://schemas.microsoft.com/office/drawing/2014/main" id="{1782A7EC-F94C-CF74-6645-7BD7935073ED}"/>
+                <a16:creationId xmlns:a16="http://schemas.microsoft.com/office/drawing/2014/main" id="{4B497F29-F30D-7776-6687-0D5237B87992}"/>
               </a:ext>
             </a:extLst>
           </p:cNvPr>
@@ -712,7 +712,7 @@
           <a:bodyPr/>
           <a:lstStyle/>
           <a:p>
-            <a:fld id="{CEF0770C-D0C3-4FA5-9F4E-FC59218128E2}" type="slidenum">
+            <a:fld id="{491C2285-5C08-462A-BFFE-5F22B4284A0F}" type="slidenum">
               <a:rPr lang="zh-CN" altLang="en-US" smtClean="0"/>
               <a:t>‹#›</a:t>
             </a:fld>
@@ -723,7 +723,7 @@
     </p:spTree>
     <p:extLst>
       <p:ext uri="{BB962C8B-B14F-4D97-AF65-F5344CB8AC3E}">
-        <p14:creationId xmlns:p14="http://schemas.microsoft.com/office/powerpoint/2010/main" val="1485614644"/>
+        <p14:creationId xmlns:p14="http://schemas.microsoft.com/office/powerpoint/2010/main" val="2474157628"/>
       </p:ext>
     </p:extLst>
   </p:cSld>
@@ -755,7 +755,7 @@
           <p:cNvPr id="2" name="标题 1">
             <a:extLst>
               <a:ext uri="{FF2B5EF4-FFF2-40B4-BE49-F238E27FC236}">
-                <a16:creationId xmlns:a16="http://schemas.microsoft.com/office/drawing/2014/main" id="{17E45318-45F1-7CCB-F367-E9EAC22C848D}"/>
+                <a16:creationId xmlns:a16="http://schemas.microsoft.com/office/drawing/2014/main" id="{1453B00A-9D7F-E4FA-2413-01D5DDE507E4}"/>
               </a:ext>
             </a:extLst>
           </p:cNvPr>
@@ -783,7 +783,7 @@
           <p:cNvPr id="3" name="内容占位符 2">
             <a:extLst>
               <a:ext uri="{FF2B5EF4-FFF2-40B4-BE49-F238E27FC236}">
-                <a16:creationId xmlns:a16="http://schemas.microsoft.com/office/drawing/2014/main" id="{F9B6D13C-C9FA-0CF0-4F08-37E15734BD37}"/>
+                <a16:creationId xmlns:a16="http://schemas.microsoft.com/office/drawing/2014/main" id="{242C4826-208E-E29E-B4C1-159792D8C5F7}"/>
               </a:ext>
             </a:extLst>
           </p:cNvPr>
@@ -840,7 +840,7 @@
           <p:cNvPr id="4" name="日期占位符 3">
             <a:extLst>
               <a:ext uri="{FF2B5EF4-FFF2-40B4-BE49-F238E27FC236}">
-                <a16:creationId xmlns:a16="http://schemas.microsoft.com/office/drawing/2014/main" id="{426F77AE-638D-4F38-F07C-8FC51E4063F1}"/>
+                <a16:creationId xmlns:a16="http://schemas.microsoft.com/office/drawing/2014/main" id="{35DD368C-40D8-C99F-AF44-0EC59FD81CAD}"/>
               </a:ext>
             </a:extLst>
           </p:cNvPr>
@@ -856,7 +856,7 @@
           <a:bodyPr/>
           <a:lstStyle/>
           <a:p>
-            <a:fld id="{F8536FB5-00C1-46B9-80F2-5334BA270E8F}" type="datetimeFigureOut">
+            <a:fld id="{93B7F6C7-790D-4412-AE61-706E0C373E00}" type="datetimeFigureOut">
               <a:rPr lang="zh-CN" altLang="en-US" smtClean="0"/>
               <a:t>2024/3/10</a:t>
             </a:fld>
@@ -869,7 +869,7 @@
           <p:cNvPr id="5" name="页脚占位符 4">
             <a:extLst>
               <a:ext uri="{FF2B5EF4-FFF2-40B4-BE49-F238E27FC236}">
-                <a16:creationId xmlns:a16="http://schemas.microsoft.com/office/drawing/2014/main" id="{4098592C-C02E-9BDE-07CD-0CF3A36FA938}"/>
+                <a16:creationId xmlns:a16="http://schemas.microsoft.com/office/drawing/2014/main" id="{5EB98F60-1EF8-9BEE-6A29-4BE16A8D69D0}"/>
               </a:ext>
             </a:extLst>
           </p:cNvPr>
@@ -894,7 +894,7 @@
           <p:cNvPr id="6" name="灯片编号占位符 5">
             <a:extLst>
               <a:ext uri="{FF2B5EF4-FFF2-40B4-BE49-F238E27FC236}">
-                <a16:creationId xmlns:a16="http://schemas.microsoft.com/office/drawing/2014/main" id="{23E67D14-CB6E-0E1E-BAC9-8475FFCDD07B}"/>
+                <a16:creationId xmlns:a16="http://schemas.microsoft.com/office/drawing/2014/main" id="{F8973378-27BF-0D28-4658-4AE4CA9B3E0A}"/>
               </a:ext>
             </a:extLst>
           </p:cNvPr>
@@ -910,7 +910,7 @@
           <a:bodyPr/>
           <a:lstStyle/>
           <a:p>
-            <a:fld id="{CEF0770C-D0C3-4FA5-9F4E-FC59218128E2}" type="slidenum">
+            <a:fld id="{491C2285-5C08-462A-BFFE-5F22B4284A0F}" type="slidenum">
               <a:rPr lang="zh-CN" altLang="en-US" smtClean="0"/>
               <a:t>‹#›</a:t>
             </a:fld>
@@ -921,7 +921,7 @@
     </p:spTree>
     <p:extLst>
       <p:ext uri="{BB962C8B-B14F-4D97-AF65-F5344CB8AC3E}">
-        <p14:creationId xmlns:p14="http://schemas.microsoft.com/office/powerpoint/2010/main" val="2614246751"/>
+        <p14:creationId xmlns:p14="http://schemas.microsoft.com/office/powerpoint/2010/main" val="1855858113"/>
       </p:ext>
     </p:extLst>
   </p:cSld>
@@ -953,7 +953,7 @@
           <p:cNvPr id="2" name="标题 1">
             <a:extLst>
               <a:ext uri="{FF2B5EF4-FFF2-40B4-BE49-F238E27FC236}">
-                <a16:creationId xmlns:a16="http://schemas.microsoft.com/office/drawing/2014/main" id="{415DD78C-832E-2CD7-8A58-FAD1821BCE6E}"/>
+                <a16:creationId xmlns:a16="http://schemas.microsoft.com/office/drawing/2014/main" id="{C30EDF21-4DE4-F82E-8EE6-E9B41E834837}"/>
               </a:ext>
             </a:extLst>
           </p:cNvPr>
@@ -990,7 +990,7 @@
           <p:cNvPr id="3" name="文本占位符 2">
             <a:extLst>
               <a:ext uri="{FF2B5EF4-FFF2-40B4-BE49-F238E27FC236}">
-                <a16:creationId xmlns:a16="http://schemas.microsoft.com/office/drawing/2014/main" id="{182B3061-31A1-8589-81DA-165942AB3BC6}"/>
+                <a16:creationId xmlns:a16="http://schemas.microsoft.com/office/drawing/2014/main" id="{1CEE00F2-DA8A-8D77-EE0E-1DEE29B904C4}"/>
               </a:ext>
             </a:extLst>
           </p:cNvPr>
@@ -1115,7 +1115,7 @@
           <p:cNvPr id="4" name="日期占位符 3">
             <a:extLst>
               <a:ext uri="{FF2B5EF4-FFF2-40B4-BE49-F238E27FC236}">
-                <a16:creationId xmlns:a16="http://schemas.microsoft.com/office/drawing/2014/main" id="{5100EF36-A51D-FF18-94C7-5CD101B3EA9A}"/>
+                <a16:creationId xmlns:a16="http://schemas.microsoft.com/office/drawing/2014/main" id="{8353AD30-E3AE-F908-7D0D-B6F59A8C7BEF}"/>
               </a:ext>
             </a:extLst>
           </p:cNvPr>
@@ -1131,7 +1131,7 @@
           <a:bodyPr/>
           <a:lstStyle/>
           <a:p>
-            <a:fld id="{F8536FB5-00C1-46B9-80F2-5334BA270E8F}" type="datetimeFigureOut">
+            <a:fld id="{93B7F6C7-790D-4412-AE61-706E0C373E00}" type="datetimeFigureOut">
               <a:rPr lang="zh-CN" altLang="en-US" smtClean="0"/>
               <a:t>2024/3/10</a:t>
             </a:fld>
@@ -1144,7 +1144,7 @@
           <p:cNvPr id="5" name="页脚占位符 4">
             <a:extLst>
               <a:ext uri="{FF2B5EF4-FFF2-40B4-BE49-F238E27FC236}">
-                <a16:creationId xmlns:a16="http://schemas.microsoft.com/office/drawing/2014/main" id="{6DB5F66A-7699-F542-1EE3-4CD889F52ECF}"/>
+                <a16:creationId xmlns:a16="http://schemas.microsoft.com/office/drawing/2014/main" id="{12DDCC9A-F0EC-0C99-B4F3-B29976A88935}"/>
               </a:ext>
             </a:extLst>
           </p:cNvPr>
@@ -1169,7 +1169,7 @@
           <p:cNvPr id="6" name="灯片编号占位符 5">
             <a:extLst>
               <a:ext uri="{FF2B5EF4-FFF2-40B4-BE49-F238E27FC236}">
-                <a16:creationId xmlns:a16="http://schemas.microsoft.com/office/drawing/2014/main" id="{ED0FD2D3-A98C-FCEA-9355-C0B2B288CE62}"/>
+                <a16:creationId xmlns:a16="http://schemas.microsoft.com/office/drawing/2014/main" id="{A999E640-C34B-E526-0552-C6FDC5B33167}"/>
               </a:ext>
             </a:extLst>
           </p:cNvPr>
@@ -1185,7 +1185,7 @@
           <a:bodyPr/>
           <a:lstStyle/>
           <a:p>
-            <a:fld id="{CEF0770C-D0C3-4FA5-9F4E-FC59218128E2}" type="slidenum">
+            <a:fld id="{491C2285-5C08-462A-BFFE-5F22B4284A0F}" type="slidenum">
               <a:rPr lang="zh-CN" altLang="en-US" smtClean="0"/>
               <a:t>‹#›</a:t>
             </a:fld>
@@ -1196,7 +1196,7 @@
     </p:spTree>
     <p:extLst>
       <p:ext uri="{BB962C8B-B14F-4D97-AF65-F5344CB8AC3E}">
-        <p14:creationId xmlns:p14="http://schemas.microsoft.com/office/powerpoint/2010/main" val="3692367303"/>
+        <p14:creationId xmlns:p14="http://schemas.microsoft.com/office/powerpoint/2010/main" val="1328961704"/>
       </p:ext>
     </p:extLst>
   </p:cSld>
@@ -1228,7 +1228,7 @@
           <p:cNvPr id="2" name="标题 1">
             <a:extLst>
               <a:ext uri="{FF2B5EF4-FFF2-40B4-BE49-F238E27FC236}">
-                <a16:creationId xmlns:a16="http://schemas.microsoft.com/office/drawing/2014/main" id="{014CAB2A-75EC-0A2D-455F-F49EAEAEB57F}"/>
+                <a16:creationId xmlns:a16="http://schemas.microsoft.com/office/drawing/2014/main" id="{C2F88F57-2E26-A9B0-5416-92FCB8F2888C}"/>
               </a:ext>
             </a:extLst>
           </p:cNvPr>
@@ -1256,7 +1256,7 @@
           <p:cNvPr id="3" name="内容占位符 2">
             <a:extLst>
               <a:ext uri="{FF2B5EF4-FFF2-40B4-BE49-F238E27FC236}">
-                <a16:creationId xmlns:a16="http://schemas.microsoft.com/office/drawing/2014/main" id="{52770407-0F8E-04EB-A964-AF9331057232}"/>
+                <a16:creationId xmlns:a16="http://schemas.microsoft.com/office/drawing/2014/main" id="{19DE1F81-CEF4-55FC-6666-ABE9F0230843}"/>
               </a:ext>
             </a:extLst>
           </p:cNvPr>
@@ -1318,7 +1318,7 @@
           <p:cNvPr id="4" name="内容占位符 3">
             <a:extLst>
               <a:ext uri="{FF2B5EF4-FFF2-40B4-BE49-F238E27FC236}">
-                <a16:creationId xmlns:a16="http://schemas.microsoft.com/office/drawing/2014/main" id="{C033D9CC-7CA7-7D61-8E0D-E3F5F31110EE}"/>
+                <a16:creationId xmlns:a16="http://schemas.microsoft.com/office/drawing/2014/main" id="{A4AE5D7F-0DDC-6DFC-3EB0-A49D830572B2}"/>
               </a:ext>
             </a:extLst>
           </p:cNvPr>
@@ -1380,7 +1380,7 @@
           <p:cNvPr id="5" name="日期占位符 4">
             <a:extLst>
               <a:ext uri="{FF2B5EF4-FFF2-40B4-BE49-F238E27FC236}">
-                <a16:creationId xmlns:a16="http://schemas.microsoft.com/office/drawing/2014/main" id="{A9F32DBE-2D1E-AD32-1E68-45F78A6E982B}"/>
+                <a16:creationId xmlns:a16="http://schemas.microsoft.com/office/drawing/2014/main" id="{290B8A67-C241-3369-8468-B187BE01012E}"/>
               </a:ext>
             </a:extLst>
           </p:cNvPr>
@@ -1396,7 +1396,7 @@
           <a:bodyPr/>
           <a:lstStyle/>
           <a:p>
-            <a:fld id="{F8536FB5-00C1-46B9-80F2-5334BA270E8F}" type="datetimeFigureOut">
+            <a:fld id="{93B7F6C7-790D-4412-AE61-706E0C373E00}" type="datetimeFigureOut">
               <a:rPr lang="zh-CN" altLang="en-US" smtClean="0"/>
               <a:t>2024/3/10</a:t>
             </a:fld>
@@ -1409,7 +1409,7 @@
           <p:cNvPr id="6" name="页脚占位符 5">
             <a:extLst>
               <a:ext uri="{FF2B5EF4-FFF2-40B4-BE49-F238E27FC236}">
-                <a16:creationId xmlns:a16="http://schemas.microsoft.com/office/drawing/2014/main" id="{60107FD5-8D5C-F64A-6767-85D626ED55A2}"/>
+                <a16:creationId xmlns:a16="http://schemas.microsoft.com/office/drawing/2014/main" id="{F2EB00A7-A795-21C7-5134-E3B7CA7EC515}"/>
               </a:ext>
             </a:extLst>
           </p:cNvPr>
@@ -1434,7 +1434,7 @@
           <p:cNvPr id="7" name="灯片编号占位符 6">
             <a:extLst>
               <a:ext uri="{FF2B5EF4-FFF2-40B4-BE49-F238E27FC236}">
-                <a16:creationId xmlns:a16="http://schemas.microsoft.com/office/drawing/2014/main" id="{0887E453-C72A-BA1A-3825-A5B37303BAA1}"/>
+                <a16:creationId xmlns:a16="http://schemas.microsoft.com/office/drawing/2014/main" id="{06FA03AE-A234-8986-3761-2CCBCA0A3672}"/>
               </a:ext>
             </a:extLst>
           </p:cNvPr>
@@ -1450,7 +1450,7 @@
           <a:bodyPr/>
           <a:lstStyle/>
           <a:p>
-            <a:fld id="{CEF0770C-D0C3-4FA5-9F4E-FC59218128E2}" type="slidenum">
+            <a:fld id="{491C2285-5C08-462A-BFFE-5F22B4284A0F}" type="slidenum">
               <a:rPr lang="zh-CN" altLang="en-US" smtClean="0"/>
               <a:t>‹#›</a:t>
             </a:fld>
@@ -1461,7 +1461,7 @@
     </p:spTree>
     <p:extLst>
       <p:ext uri="{BB962C8B-B14F-4D97-AF65-F5344CB8AC3E}">
-        <p14:creationId xmlns:p14="http://schemas.microsoft.com/office/powerpoint/2010/main" val="3876676731"/>
+        <p14:creationId xmlns:p14="http://schemas.microsoft.com/office/powerpoint/2010/main" val="834374398"/>
       </p:ext>
     </p:extLst>
   </p:cSld>
@@ -1493,7 +1493,7 @@
           <p:cNvPr id="2" name="标题 1">
             <a:extLst>
               <a:ext uri="{FF2B5EF4-FFF2-40B4-BE49-F238E27FC236}">
-                <a16:creationId xmlns:a16="http://schemas.microsoft.com/office/drawing/2014/main" id="{B076DD71-C051-0A08-34EE-B0CFA6B9A296}"/>
+                <a16:creationId xmlns:a16="http://schemas.microsoft.com/office/drawing/2014/main" id="{A1AC35D5-3257-1CB4-396E-AFF1F46A05BC}"/>
               </a:ext>
             </a:extLst>
           </p:cNvPr>
@@ -1526,7 +1526,7 @@
           <p:cNvPr id="3" name="文本占位符 2">
             <a:extLst>
               <a:ext uri="{FF2B5EF4-FFF2-40B4-BE49-F238E27FC236}">
-                <a16:creationId xmlns:a16="http://schemas.microsoft.com/office/drawing/2014/main" id="{362BC0CE-461D-EE22-F4F5-D647B98B2F40}"/>
+                <a16:creationId xmlns:a16="http://schemas.microsoft.com/office/drawing/2014/main" id="{40AED660-D543-431C-208A-580D5F24B67D}"/>
               </a:ext>
             </a:extLst>
           </p:cNvPr>
@@ -1597,7 +1597,7 @@
           <p:cNvPr id="4" name="内容占位符 3">
             <a:extLst>
               <a:ext uri="{FF2B5EF4-FFF2-40B4-BE49-F238E27FC236}">
-                <a16:creationId xmlns:a16="http://schemas.microsoft.com/office/drawing/2014/main" id="{84062375-EE95-6135-7474-60C466C717BC}"/>
+                <a16:creationId xmlns:a16="http://schemas.microsoft.com/office/drawing/2014/main" id="{E97CA66B-376F-3469-43E7-2F2650924B38}"/>
               </a:ext>
             </a:extLst>
           </p:cNvPr>
@@ -1659,7 +1659,7 @@
           <p:cNvPr id="5" name="文本占位符 4">
             <a:extLst>
               <a:ext uri="{FF2B5EF4-FFF2-40B4-BE49-F238E27FC236}">
-                <a16:creationId xmlns:a16="http://schemas.microsoft.com/office/drawing/2014/main" id="{CD3C465B-7BEC-2ACF-25DF-A3FBEA2F696E}"/>
+                <a16:creationId xmlns:a16="http://schemas.microsoft.com/office/drawing/2014/main" id="{07027BC7-5CA5-BACF-0FF0-7E27BF733DA5}"/>
               </a:ext>
             </a:extLst>
           </p:cNvPr>
@@ -1730,7 +1730,7 @@
           <p:cNvPr id="6" name="内容占位符 5">
             <a:extLst>
               <a:ext uri="{FF2B5EF4-FFF2-40B4-BE49-F238E27FC236}">
-                <a16:creationId xmlns:a16="http://schemas.microsoft.com/office/drawing/2014/main" id="{78B28977-8464-55B1-4936-7AA89E6A3710}"/>
+                <a16:creationId xmlns:a16="http://schemas.microsoft.com/office/drawing/2014/main" id="{74CE38F1-FD81-DE5E-1D66-D7AD72442180}"/>
               </a:ext>
             </a:extLst>
           </p:cNvPr>
@@ -1792,7 +1792,7 @@
           <p:cNvPr id="7" name="日期占位符 6">
             <a:extLst>
               <a:ext uri="{FF2B5EF4-FFF2-40B4-BE49-F238E27FC236}">
-                <a16:creationId xmlns:a16="http://schemas.microsoft.com/office/drawing/2014/main" id="{15EC663A-224D-43FB-D829-BD55866A4BCF}"/>
+                <a16:creationId xmlns:a16="http://schemas.microsoft.com/office/drawing/2014/main" id="{CFA007FC-0657-CFA9-6310-E04175C9C0CA}"/>
               </a:ext>
             </a:extLst>
           </p:cNvPr>
@@ -1808,7 +1808,7 @@
           <a:bodyPr/>
           <a:lstStyle/>
           <a:p>
-            <a:fld id="{F8536FB5-00C1-46B9-80F2-5334BA270E8F}" type="datetimeFigureOut">
+            <a:fld id="{93B7F6C7-790D-4412-AE61-706E0C373E00}" type="datetimeFigureOut">
               <a:rPr lang="zh-CN" altLang="en-US" smtClean="0"/>
               <a:t>2024/3/10</a:t>
             </a:fld>
@@ -1821,7 +1821,7 @@
           <p:cNvPr id="8" name="页脚占位符 7">
             <a:extLst>
               <a:ext uri="{FF2B5EF4-FFF2-40B4-BE49-F238E27FC236}">
-                <a16:creationId xmlns:a16="http://schemas.microsoft.com/office/drawing/2014/main" id="{83077D17-0FBE-F87B-7D25-4C2C1AF2D59C}"/>
+                <a16:creationId xmlns:a16="http://schemas.microsoft.com/office/drawing/2014/main" id="{97654D86-975B-E39E-6776-89CC14524F4F}"/>
               </a:ext>
             </a:extLst>
           </p:cNvPr>
@@ -1846,7 +1846,7 @@
           <p:cNvPr id="9" name="灯片编号占位符 8">
             <a:extLst>
               <a:ext uri="{FF2B5EF4-FFF2-40B4-BE49-F238E27FC236}">
-                <a16:creationId xmlns:a16="http://schemas.microsoft.com/office/drawing/2014/main" id="{1DC3884B-2CBF-90CE-E27E-E5C0C654CF2D}"/>
+                <a16:creationId xmlns:a16="http://schemas.microsoft.com/office/drawing/2014/main" id="{3279DFAF-8A0B-DCD2-F698-D2CD69FBD77E}"/>
               </a:ext>
             </a:extLst>
           </p:cNvPr>
@@ -1862,7 +1862,7 @@
           <a:bodyPr/>
           <a:lstStyle/>
           <a:p>
-            <a:fld id="{CEF0770C-D0C3-4FA5-9F4E-FC59218128E2}" type="slidenum">
+            <a:fld id="{491C2285-5C08-462A-BFFE-5F22B4284A0F}" type="slidenum">
               <a:rPr lang="zh-CN" altLang="en-US" smtClean="0"/>
               <a:t>‹#›</a:t>
             </a:fld>
@@ -1873,7 +1873,7 @@
     </p:spTree>
     <p:extLst>
       <p:ext uri="{BB962C8B-B14F-4D97-AF65-F5344CB8AC3E}">
-        <p14:creationId xmlns:p14="http://schemas.microsoft.com/office/powerpoint/2010/main" val="3168203478"/>
+        <p14:creationId xmlns:p14="http://schemas.microsoft.com/office/powerpoint/2010/main" val="3512403765"/>
       </p:ext>
     </p:extLst>
   </p:cSld>
@@ -1905,7 +1905,7 @@
           <p:cNvPr id="2" name="标题 1">
             <a:extLst>
               <a:ext uri="{FF2B5EF4-FFF2-40B4-BE49-F238E27FC236}">
-                <a16:creationId xmlns:a16="http://schemas.microsoft.com/office/drawing/2014/main" id="{FB870753-6B7F-4CDB-2DCB-C0C1CD7ECBA1}"/>
+                <a16:creationId xmlns:a16="http://schemas.microsoft.com/office/drawing/2014/main" id="{E74CBB95-535C-2708-C81B-B61269D0ED7C}"/>
               </a:ext>
             </a:extLst>
           </p:cNvPr>
@@ -1933,7 +1933,7 @@
           <p:cNvPr id="3" name="日期占位符 2">
             <a:extLst>
               <a:ext uri="{FF2B5EF4-FFF2-40B4-BE49-F238E27FC236}">
-                <a16:creationId xmlns:a16="http://schemas.microsoft.com/office/drawing/2014/main" id="{6A0740CA-F1DB-8E53-8FE9-AA98031CCD10}"/>
+                <a16:creationId xmlns:a16="http://schemas.microsoft.com/office/drawing/2014/main" id="{730F14A6-7143-AAF4-081E-D9C643C851D1}"/>
               </a:ext>
             </a:extLst>
           </p:cNvPr>
@@ -1949,7 +1949,7 @@
           <a:bodyPr/>
           <a:lstStyle/>
           <a:p>
-            <a:fld id="{F8536FB5-00C1-46B9-80F2-5334BA270E8F}" type="datetimeFigureOut">
+            <a:fld id="{93B7F6C7-790D-4412-AE61-706E0C373E00}" type="datetimeFigureOut">
               <a:rPr lang="zh-CN" altLang="en-US" smtClean="0"/>
               <a:t>2024/3/10</a:t>
             </a:fld>
@@ -1962,7 +1962,7 @@
           <p:cNvPr id="4" name="页脚占位符 3">
             <a:extLst>
               <a:ext uri="{FF2B5EF4-FFF2-40B4-BE49-F238E27FC236}">
-                <a16:creationId xmlns:a16="http://schemas.microsoft.com/office/drawing/2014/main" id="{ED96151D-3541-7493-F873-D27683E54906}"/>
+                <a16:creationId xmlns:a16="http://schemas.microsoft.com/office/drawing/2014/main" id="{ED097795-438E-437E-99A7-80FF892E165A}"/>
               </a:ext>
             </a:extLst>
           </p:cNvPr>
@@ -1987,7 +1987,7 @@
           <p:cNvPr id="5" name="灯片编号占位符 4">
             <a:extLst>
               <a:ext uri="{FF2B5EF4-FFF2-40B4-BE49-F238E27FC236}">
-                <a16:creationId xmlns:a16="http://schemas.microsoft.com/office/drawing/2014/main" id="{BECDA407-6534-54CD-594C-B8D862AC4728}"/>
+                <a16:creationId xmlns:a16="http://schemas.microsoft.com/office/drawing/2014/main" id="{80DC787E-209C-D86C-050E-56E9296B9CAB}"/>
               </a:ext>
             </a:extLst>
           </p:cNvPr>
@@ -2003,7 +2003,7 @@
           <a:bodyPr/>
           <a:lstStyle/>
           <a:p>
-            <a:fld id="{CEF0770C-D0C3-4FA5-9F4E-FC59218128E2}" type="slidenum">
+            <a:fld id="{491C2285-5C08-462A-BFFE-5F22B4284A0F}" type="slidenum">
               <a:rPr lang="zh-CN" altLang="en-US" smtClean="0"/>
               <a:t>‹#›</a:t>
             </a:fld>
@@ -2014,7 +2014,7 @@
     </p:spTree>
     <p:extLst>
       <p:ext uri="{BB962C8B-B14F-4D97-AF65-F5344CB8AC3E}">
-        <p14:creationId xmlns:p14="http://schemas.microsoft.com/office/powerpoint/2010/main" val="1767966534"/>
+        <p14:creationId xmlns:p14="http://schemas.microsoft.com/office/powerpoint/2010/main" val="2948962115"/>
       </p:ext>
     </p:extLst>
   </p:cSld>
@@ -2046,7 +2046,7 @@
           <p:cNvPr id="2" name="日期占位符 1">
             <a:extLst>
               <a:ext uri="{FF2B5EF4-FFF2-40B4-BE49-F238E27FC236}">
-                <a16:creationId xmlns:a16="http://schemas.microsoft.com/office/drawing/2014/main" id="{0CE39224-BE97-0EBE-A7D8-75B19B2E630D}"/>
+                <a16:creationId xmlns:a16="http://schemas.microsoft.com/office/drawing/2014/main" id="{6F6A8E00-AE02-F5ED-C06B-B455218C78C7}"/>
               </a:ext>
             </a:extLst>
           </p:cNvPr>
@@ -2062,7 +2062,7 @@
           <a:bodyPr/>
           <a:lstStyle/>
           <a:p>
-            <a:fld id="{F8536FB5-00C1-46B9-80F2-5334BA270E8F}" type="datetimeFigureOut">
+            <a:fld id="{93B7F6C7-790D-4412-AE61-706E0C373E00}" type="datetimeFigureOut">
               <a:rPr lang="zh-CN" altLang="en-US" smtClean="0"/>
               <a:t>2024/3/10</a:t>
             </a:fld>
@@ -2075,7 +2075,7 @@
           <p:cNvPr id="3" name="页脚占位符 2">
             <a:extLst>
               <a:ext uri="{FF2B5EF4-FFF2-40B4-BE49-F238E27FC236}">
-                <a16:creationId xmlns:a16="http://schemas.microsoft.com/office/drawing/2014/main" id="{429C28F0-9458-C79B-51EB-443E2891688F}"/>
+                <a16:creationId xmlns:a16="http://schemas.microsoft.com/office/drawing/2014/main" id="{86CA99F0-4AF6-0643-0388-CB54628CB907}"/>
               </a:ext>
             </a:extLst>
           </p:cNvPr>
@@ -2100,7 +2100,7 @@
           <p:cNvPr id="4" name="灯片编号占位符 3">
             <a:extLst>
               <a:ext uri="{FF2B5EF4-FFF2-40B4-BE49-F238E27FC236}">
-                <a16:creationId xmlns:a16="http://schemas.microsoft.com/office/drawing/2014/main" id="{EDF1C3A9-F388-71AC-D346-6E791BEED1C6}"/>
+                <a16:creationId xmlns:a16="http://schemas.microsoft.com/office/drawing/2014/main" id="{93005037-A486-808C-B6F5-25E00CA738B4}"/>
               </a:ext>
             </a:extLst>
           </p:cNvPr>
@@ -2116,7 +2116,7 @@
           <a:bodyPr/>
           <a:lstStyle/>
           <a:p>
-            <a:fld id="{CEF0770C-D0C3-4FA5-9F4E-FC59218128E2}" type="slidenum">
+            <a:fld id="{491C2285-5C08-462A-BFFE-5F22B4284A0F}" type="slidenum">
               <a:rPr lang="zh-CN" altLang="en-US" smtClean="0"/>
               <a:t>‹#›</a:t>
             </a:fld>
@@ -2127,7 +2127,7 @@
     </p:spTree>
     <p:extLst>
       <p:ext uri="{BB962C8B-B14F-4D97-AF65-F5344CB8AC3E}">
-        <p14:creationId xmlns:p14="http://schemas.microsoft.com/office/powerpoint/2010/main" val="645062497"/>
+        <p14:creationId xmlns:p14="http://schemas.microsoft.com/office/powerpoint/2010/main" val="1715886406"/>
       </p:ext>
     </p:extLst>
   </p:cSld>
@@ -2159,7 +2159,7 @@
           <p:cNvPr id="2" name="标题 1">
             <a:extLst>
               <a:ext uri="{FF2B5EF4-FFF2-40B4-BE49-F238E27FC236}">
-                <a16:creationId xmlns:a16="http://schemas.microsoft.com/office/drawing/2014/main" id="{C9ACBDCC-193B-05BB-529A-2DA090A446BE}"/>
+                <a16:creationId xmlns:a16="http://schemas.microsoft.com/office/drawing/2014/main" id="{FCF4DB88-B43A-6F0C-7D00-BE633B101B32}"/>
               </a:ext>
             </a:extLst>
           </p:cNvPr>
@@ -2196,7 +2196,7 @@
           <p:cNvPr id="3" name="内容占位符 2">
             <a:extLst>
               <a:ext uri="{FF2B5EF4-FFF2-40B4-BE49-F238E27FC236}">
-                <a16:creationId xmlns:a16="http://schemas.microsoft.com/office/drawing/2014/main" id="{D38950EF-26FB-A9FD-E169-4E6D09CEA944}"/>
+                <a16:creationId xmlns:a16="http://schemas.microsoft.com/office/drawing/2014/main" id="{79E8A25E-AD0C-9946-0302-B87A1596E211}"/>
               </a:ext>
             </a:extLst>
           </p:cNvPr>
@@ -2286,7 +2286,7 @@
           <p:cNvPr id="4" name="文本占位符 3">
             <a:extLst>
               <a:ext uri="{FF2B5EF4-FFF2-40B4-BE49-F238E27FC236}">
-                <a16:creationId xmlns:a16="http://schemas.microsoft.com/office/drawing/2014/main" id="{995FB6FF-C603-ED3A-DF95-8E31BE6144EA}"/>
+                <a16:creationId xmlns:a16="http://schemas.microsoft.com/office/drawing/2014/main" id="{8A819388-BCE7-35D2-DBD1-8E76A5829935}"/>
               </a:ext>
             </a:extLst>
           </p:cNvPr>
@@ -2357,7 +2357,7 @@
           <p:cNvPr id="5" name="日期占位符 4">
             <a:extLst>
               <a:ext uri="{FF2B5EF4-FFF2-40B4-BE49-F238E27FC236}">
-                <a16:creationId xmlns:a16="http://schemas.microsoft.com/office/drawing/2014/main" id="{F3701573-F3BF-D48D-0D7F-C9CF17DC10FC}"/>
+                <a16:creationId xmlns:a16="http://schemas.microsoft.com/office/drawing/2014/main" id="{B5BDB617-177D-B244-C2CF-670594B97CDF}"/>
               </a:ext>
             </a:extLst>
           </p:cNvPr>
@@ -2373,7 +2373,7 @@
           <a:bodyPr/>
           <a:lstStyle/>
           <a:p>
-            <a:fld id="{F8536FB5-00C1-46B9-80F2-5334BA270E8F}" type="datetimeFigureOut">
+            <a:fld id="{93B7F6C7-790D-4412-AE61-706E0C373E00}" type="datetimeFigureOut">
               <a:rPr lang="zh-CN" altLang="en-US" smtClean="0"/>
               <a:t>2024/3/10</a:t>
             </a:fld>
@@ -2386,7 +2386,7 @@
           <p:cNvPr id="6" name="页脚占位符 5">
             <a:extLst>
               <a:ext uri="{FF2B5EF4-FFF2-40B4-BE49-F238E27FC236}">
-                <a16:creationId xmlns:a16="http://schemas.microsoft.com/office/drawing/2014/main" id="{5ECAE9BD-6F91-EE3A-D00A-E855452B79E2}"/>
+                <a16:creationId xmlns:a16="http://schemas.microsoft.com/office/drawing/2014/main" id="{7AFF204C-FA5F-8E3B-BB49-7C9CCACECA10}"/>
               </a:ext>
             </a:extLst>
           </p:cNvPr>
@@ -2411,7 +2411,7 @@
           <p:cNvPr id="7" name="灯片编号占位符 6">
             <a:extLst>
               <a:ext uri="{FF2B5EF4-FFF2-40B4-BE49-F238E27FC236}">
-                <a16:creationId xmlns:a16="http://schemas.microsoft.com/office/drawing/2014/main" id="{F198AB89-4886-5C29-76D7-EDE2CD798059}"/>
+                <a16:creationId xmlns:a16="http://schemas.microsoft.com/office/drawing/2014/main" id="{E131A865-3676-28B2-5D83-606C0C48C5B2}"/>
               </a:ext>
             </a:extLst>
           </p:cNvPr>
@@ -2427,7 +2427,7 @@
           <a:bodyPr/>
           <a:lstStyle/>
           <a:p>
-            <a:fld id="{CEF0770C-D0C3-4FA5-9F4E-FC59218128E2}" type="slidenum">
+            <a:fld id="{491C2285-5C08-462A-BFFE-5F22B4284A0F}" type="slidenum">
               <a:rPr lang="zh-CN" altLang="en-US" smtClean="0"/>
               <a:t>‹#›</a:t>
             </a:fld>
@@ -2438,7 +2438,7 @@
     </p:spTree>
     <p:extLst>
       <p:ext uri="{BB962C8B-B14F-4D97-AF65-F5344CB8AC3E}">
-        <p14:creationId xmlns:p14="http://schemas.microsoft.com/office/powerpoint/2010/main" val="803434641"/>
+        <p14:creationId xmlns:p14="http://schemas.microsoft.com/office/powerpoint/2010/main" val="4126290394"/>
       </p:ext>
     </p:extLst>
   </p:cSld>
@@ -2470,7 +2470,7 @@
           <p:cNvPr id="2" name="标题 1">
             <a:extLst>
               <a:ext uri="{FF2B5EF4-FFF2-40B4-BE49-F238E27FC236}">
-                <a16:creationId xmlns:a16="http://schemas.microsoft.com/office/drawing/2014/main" id="{C2EEC722-6326-80F5-D430-E50D74D9C70C}"/>
+                <a16:creationId xmlns:a16="http://schemas.microsoft.com/office/drawing/2014/main" id="{98806B29-2DDA-FB2D-1A0D-C99990C6B15E}"/>
               </a:ext>
             </a:extLst>
           </p:cNvPr>
@@ -2507,7 +2507,7 @@
           <p:cNvPr id="3" name="图片占位符 2">
             <a:extLst>
               <a:ext uri="{FF2B5EF4-FFF2-40B4-BE49-F238E27FC236}">
-                <a16:creationId xmlns:a16="http://schemas.microsoft.com/office/drawing/2014/main" id="{1B8F8B9E-3BE7-83E1-886E-8AFEA0B3FDA9}"/>
+                <a16:creationId xmlns:a16="http://schemas.microsoft.com/office/drawing/2014/main" id="{7A9C949C-7530-8467-E6A1-5C9E9E7D92CC}"/>
               </a:ext>
             </a:extLst>
           </p:cNvPr>
@@ -2574,7 +2574,7 @@
           <p:cNvPr id="4" name="文本占位符 3">
             <a:extLst>
               <a:ext uri="{FF2B5EF4-FFF2-40B4-BE49-F238E27FC236}">
-                <a16:creationId xmlns:a16="http://schemas.microsoft.com/office/drawing/2014/main" id="{EF468B05-A096-8746-7918-27D95E84F013}"/>
+                <a16:creationId xmlns:a16="http://schemas.microsoft.com/office/drawing/2014/main" id="{8BAB0478-310F-DABE-8130-6A94D91A4B93}"/>
               </a:ext>
             </a:extLst>
           </p:cNvPr>
@@ -2645,7 +2645,7 @@
           <p:cNvPr id="5" name="日期占位符 4">
             <a:extLst>
               <a:ext uri="{FF2B5EF4-FFF2-40B4-BE49-F238E27FC236}">
-                <a16:creationId xmlns:a16="http://schemas.microsoft.com/office/drawing/2014/main" id="{8371048C-E401-6FAE-180E-BF9D3B0E0C60}"/>
+                <a16:creationId xmlns:a16="http://schemas.microsoft.com/office/drawing/2014/main" id="{797B7A35-9EF1-B8D2-01B5-40497D505AAA}"/>
               </a:ext>
             </a:extLst>
           </p:cNvPr>
@@ -2661,7 +2661,7 @@
           <a:bodyPr/>
           <a:lstStyle/>
           <a:p>
-            <a:fld id="{F8536FB5-00C1-46B9-80F2-5334BA270E8F}" type="datetimeFigureOut">
+            <a:fld id="{93B7F6C7-790D-4412-AE61-706E0C373E00}" type="datetimeFigureOut">
               <a:rPr lang="zh-CN" altLang="en-US" smtClean="0"/>
               <a:t>2024/3/10</a:t>
             </a:fld>
@@ -2674,7 +2674,7 @@
           <p:cNvPr id="6" name="页脚占位符 5">
             <a:extLst>
               <a:ext uri="{FF2B5EF4-FFF2-40B4-BE49-F238E27FC236}">
-                <a16:creationId xmlns:a16="http://schemas.microsoft.com/office/drawing/2014/main" id="{AF46CAF4-4C03-C791-9DB5-9279068B5B46}"/>
+                <a16:creationId xmlns:a16="http://schemas.microsoft.com/office/drawing/2014/main" id="{2FD36FE1-9F53-D8DC-9E62-642C0C9308E5}"/>
               </a:ext>
             </a:extLst>
           </p:cNvPr>
@@ -2699,7 +2699,7 @@
           <p:cNvPr id="7" name="灯片编号占位符 6">
             <a:extLst>
               <a:ext uri="{FF2B5EF4-FFF2-40B4-BE49-F238E27FC236}">
-                <a16:creationId xmlns:a16="http://schemas.microsoft.com/office/drawing/2014/main" id="{97CF3024-E660-C684-30BC-859E21C6DF58}"/>
+                <a16:creationId xmlns:a16="http://schemas.microsoft.com/office/drawing/2014/main" id="{0538662B-C4E8-F83D-7818-2C4D69166169}"/>
               </a:ext>
             </a:extLst>
           </p:cNvPr>
@@ -2715,7 +2715,7 @@
           <a:bodyPr/>
           <a:lstStyle/>
           <a:p>
-            <a:fld id="{CEF0770C-D0C3-4FA5-9F4E-FC59218128E2}" type="slidenum">
+            <a:fld id="{491C2285-5C08-462A-BFFE-5F22B4284A0F}" type="slidenum">
               <a:rPr lang="zh-CN" altLang="en-US" smtClean="0"/>
               <a:t>‹#›</a:t>
             </a:fld>
@@ -2726,7 +2726,7 @@
     </p:spTree>
     <p:extLst>
       <p:ext uri="{BB962C8B-B14F-4D97-AF65-F5344CB8AC3E}">
-        <p14:creationId xmlns:p14="http://schemas.microsoft.com/office/powerpoint/2010/main" val="2560756156"/>
+        <p14:creationId xmlns:p14="http://schemas.microsoft.com/office/powerpoint/2010/main" val="2033051076"/>
       </p:ext>
     </p:extLst>
   </p:cSld>
@@ -2763,7 +2763,7 @@
           <p:cNvPr id="2" name="标题占位符 1">
             <a:extLst>
               <a:ext uri="{FF2B5EF4-FFF2-40B4-BE49-F238E27FC236}">
-                <a16:creationId xmlns:a16="http://schemas.microsoft.com/office/drawing/2014/main" id="{571AB27B-9F8B-BD86-36CD-93377CB663A1}"/>
+                <a16:creationId xmlns:a16="http://schemas.microsoft.com/office/drawing/2014/main" id="{391B8CE6-5D25-E9E6-4C05-AC7D8103161C}"/>
               </a:ext>
             </a:extLst>
           </p:cNvPr>
@@ -2801,7 +2801,7 @@
           <p:cNvPr id="3" name="文本占位符 2">
             <a:extLst>
               <a:ext uri="{FF2B5EF4-FFF2-40B4-BE49-F238E27FC236}">
-                <a16:creationId xmlns:a16="http://schemas.microsoft.com/office/drawing/2014/main" id="{B58B42FE-42A6-A5F0-F296-CE6C7A8D6E00}"/>
+                <a16:creationId xmlns:a16="http://schemas.microsoft.com/office/drawing/2014/main" id="{1E0BA118-CB5F-5917-350D-A899B2CAB12C}"/>
               </a:ext>
             </a:extLst>
           </p:cNvPr>
@@ -2868,7 +2868,7 @@
           <p:cNvPr id="4" name="日期占位符 3">
             <a:extLst>
               <a:ext uri="{FF2B5EF4-FFF2-40B4-BE49-F238E27FC236}">
-                <a16:creationId xmlns:a16="http://schemas.microsoft.com/office/drawing/2014/main" id="{E6B8C5BE-F637-27C3-E849-CC673661E7F8}"/>
+                <a16:creationId xmlns:a16="http://schemas.microsoft.com/office/drawing/2014/main" id="{859DB130-A786-1068-525E-E3E8EE305904}"/>
               </a:ext>
             </a:extLst>
           </p:cNvPr>
@@ -2902,7 +2902,7 @@
             </a:lvl1pPr>
           </a:lstStyle>
           <a:p>
-            <a:fld id="{F8536FB5-00C1-46B9-80F2-5334BA270E8F}" type="datetimeFigureOut">
+            <a:fld id="{93B7F6C7-790D-4412-AE61-706E0C373E00}" type="datetimeFigureOut">
               <a:rPr lang="zh-CN" altLang="en-US" smtClean="0"/>
               <a:t>2024/3/10</a:t>
             </a:fld>
@@ -2915,7 +2915,7 @@
           <p:cNvPr id="5" name="页脚占位符 4">
             <a:extLst>
               <a:ext uri="{FF2B5EF4-FFF2-40B4-BE49-F238E27FC236}">
-                <a16:creationId xmlns:a16="http://schemas.microsoft.com/office/drawing/2014/main" id="{41A4AAC3-10DA-275C-EC1C-676F26556ACC}"/>
+                <a16:creationId xmlns:a16="http://schemas.microsoft.com/office/drawing/2014/main" id="{B447C67E-0AC9-FD2C-993D-20D42408AE27}"/>
               </a:ext>
             </a:extLst>
           </p:cNvPr>
@@ -2958,7 +2958,7 @@
           <p:cNvPr id="6" name="灯片编号占位符 5">
             <a:extLst>
               <a:ext uri="{FF2B5EF4-FFF2-40B4-BE49-F238E27FC236}">
-                <a16:creationId xmlns:a16="http://schemas.microsoft.com/office/drawing/2014/main" id="{07520679-E815-13D4-4430-07622DCB0918}"/>
+                <a16:creationId xmlns:a16="http://schemas.microsoft.com/office/drawing/2014/main" id="{9C290099-2F35-13C3-ECF2-6603ECAF40B0}"/>
               </a:ext>
             </a:extLst>
           </p:cNvPr>
@@ -2992,7 +2992,7 @@
             </a:lvl1pPr>
           </a:lstStyle>
           <a:p>
-            <a:fld id="{CEF0770C-D0C3-4FA5-9F4E-FC59218128E2}" type="slidenum">
+            <a:fld id="{491C2285-5C08-462A-BFFE-5F22B4284A0F}" type="slidenum">
               <a:rPr lang="zh-CN" altLang="en-US" smtClean="0"/>
               <a:t>‹#›</a:t>
             </a:fld>
@@ -3003,7 +3003,7 @@
     </p:spTree>
     <p:extLst>
       <p:ext uri="{BB962C8B-B14F-4D97-AF65-F5344CB8AC3E}">
-        <p14:creationId xmlns:p14="http://schemas.microsoft.com/office/powerpoint/2010/main" val="1443231385"/>
+        <p14:creationId xmlns:p14="http://schemas.microsoft.com/office/powerpoint/2010/main" val="2349182365"/>
       </p:ext>
     </p:extLst>
   </p:cSld>
@@ -3323,7 +3323,7 @@
       </p:grpSpPr>
       <p:pic>
         <p:nvPicPr>
-          <p:cNvPr id="156674" name="Picture 2" descr="152"/>
+          <p:cNvPr id="157698" name="Picture 2" descr="153"/>
           <p:cNvPicPr>
             <a:picLocks noChangeAspect="1" noChangeArrowheads="1"/>
           </p:cNvPicPr>
@@ -3344,8 +3344,8 @@
         </p:blipFill>
         <p:spPr bwMode="auto">
           <a:xfrm>
-            <a:off x="1524000" y="1"/>
-            <a:ext cx="9144000" cy="4797425"/>
+            <a:off x="1524000" y="0"/>
+            <a:ext cx="9144000" cy="6858000"/>
           </a:xfrm>
           <a:prstGeom prst="rect">
             <a:avLst/>
